--- a/fall11/slidesF11/slides8w.pptx
+++ b/fall11/slidesF11/slides8w.pptx
@@ -7151,7 +7151,7 @@
         </p:nvSpPr>
         <p:spPr bwMode="auto">
           <a:xfrm>
-            <a:off x="890588" y="1731963"/>
+            <a:off x="890588" y="1552485"/>
             <a:ext cx="7380287" cy="3392487"/>
           </a:xfrm>
           <a:prstGeom prst="rect">
@@ -7173,14 +7173,34 @@
               <a:buNone/>
             </a:pPr>
             <a:r>
-              <a:rPr lang="en-US" sz="8800" b="1" dirty="0">
+              <a:rPr lang="en-US" sz="9600" b="1" dirty="0" smtClean="0">
                 <a:solidFill>
                   <a:schemeClr val="tx2"/>
                 </a:solidFill>
                 <a:latin typeface="Comic Sans MS" pitchFamily="66" charset="0"/>
               </a:rPr>
-              <a:t>Stable Matching</a:t>
-            </a:r>
+              <a:t>Stable</a:t>
+            </a:r>
+          </a:p>
+          <a:p>
+            <a:pPr algn="ctr">
+              <a:buNone/>
+            </a:pPr>
+            <a:r>
+              <a:rPr lang="en-US" sz="9600" b="1" dirty="0" smtClean="0">
+                <a:solidFill>
+                  <a:schemeClr val="tx2"/>
+                </a:solidFill>
+                <a:latin typeface="Comic Sans MS" pitchFamily="66" charset="0"/>
+              </a:rPr>
+              <a:t>Matching</a:t>
+            </a:r>
+            <a:endParaRPr lang="en-US" sz="9600" b="1" dirty="0">
+              <a:solidFill>
+                <a:schemeClr val="tx2"/>
+              </a:solidFill>
+              <a:latin typeface="Comic Sans MS" pitchFamily="66" charset="0"/>
+            </a:endParaRPr>
           </a:p>
         </p:txBody>
       </p:sp>
@@ -7195,9 +7215,96 @@
   <p:timing>
     <p:tnLst>
       <p:par>
-        <p:cTn xmlns:p14="http://schemas.microsoft.com/office/powerpoint/2010/main" id="1" dur="indefinite" restart="never" nodeType="tmRoot"/>
+        <p:cTn xmlns:p14="http://schemas.microsoft.com/office/powerpoint/2010/main" id="1" dur="indefinite" restart="never" nodeType="tmRoot">
+          <p:childTnLst>
+            <p:seq concurrent="1" nextAc="seek">
+              <p:cTn id="2" dur="indefinite" nodeType="mainSeq">
+                <p:childTnLst>
+                  <p:par>
+                    <p:cTn id="3" fill="hold">
+                      <p:stCondLst>
+                        <p:cond delay="indefinite"/>
+                      </p:stCondLst>
+                      <p:childTnLst>
+                        <p:par>
+                          <p:cTn id="4" fill="hold">
+                            <p:stCondLst>
+                              <p:cond delay="0"/>
+                            </p:stCondLst>
+                            <p:childTnLst>
+                              <p:par>
+                                <p:cTn id="5" presetID="9" presetClass="entr" presetSubtype="0" fill="hold" grpId="0" nodeType="clickEffect">
+                                  <p:stCondLst>
+                                    <p:cond delay="0"/>
+                                  </p:stCondLst>
+                                  <p:childTnLst>
+                                    <p:set>
+                                      <p:cBhvr>
+                                        <p:cTn id="6" dur="1" fill="hold">
+                                          <p:stCondLst>
+                                            <p:cond delay="0"/>
+                                          </p:stCondLst>
+                                        </p:cTn>
+                                        <p:tgtEl>
+                                          <p:spTgt spid="10244">
+                                            <p:txEl>
+                                              <p:pRg st="0" end="0"/>
+                                            </p:txEl>
+                                          </p:spTgt>
+                                        </p:tgtEl>
+                                        <p:attrNameLst>
+                                          <p:attrName>style.visibility</p:attrName>
+                                        </p:attrNameLst>
+                                      </p:cBhvr>
+                                      <p:to>
+                                        <p:strVal val="visible"/>
+                                      </p:to>
+                                    </p:set>
+                                    <p:animEffect transition="in" filter="dissolve">
+                                      <p:cBhvr>
+                                        <p:cTn id="7" dur="1000"/>
+                                        <p:tgtEl>
+                                          <p:spTgt spid="10244">
+                                            <p:txEl>
+                                              <p:pRg st="0" end="0"/>
+                                            </p:txEl>
+                                          </p:spTgt>
+                                        </p:tgtEl>
+                                      </p:cBhvr>
+                                    </p:animEffect>
+                                  </p:childTnLst>
+                                </p:cTn>
+                              </p:par>
+                            </p:childTnLst>
+                          </p:cTn>
+                        </p:par>
+                      </p:childTnLst>
+                    </p:cTn>
+                  </p:par>
+                </p:childTnLst>
+              </p:cTn>
+              <p:prevCondLst>
+                <p:cond evt="onPrev" delay="0">
+                  <p:tgtEl>
+                    <p:sldTgt/>
+                  </p:tgtEl>
+                </p:cond>
+              </p:prevCondLst>
+              <p:nextCondLst>
+                <p:cond evt="onNext" delay="0">
+                  <p:tgtEl>
+                    <p:sldTgt/>
+                  </p:tgtEl>
+                </p:cond>
+              </p:nextCondLst>
+            </p:seq>
+          </p:childTnLst>
+        </p:cTn>
       </p:par>
     </p:tnLst>
+    <p:bldLst>
+      <p:bldP spid="10244" grpId="0" uiExpand="1" build="p"/>
+    </p:bldLst>
   </p:timing>
 </p:sld>
 </file>
@@ -37985,7 +38092,7 @@
           <a:graphicData uri="http://schemas.openxmlformats.org/presentationml/2006/ole">
             <mc:AlternateContent xmlns:mc="http://schemas.openxmlformats.org/markup-compatibility/2006">
               <mc:Choice xmlns:v="urn:schemas-microsoft-com:vml" Requires="v">
-                <p:oleObj spid="_x0000_s1029" name="Equation" r:id="rId4" imgW="914400" imgH="198720" progId="">
+                <p:oleObj spid="_x0000_s1034" name="Equation" r:id="rId4" imgW="914400" imgH="198720" progId="">
                   <p:embed/>
                 </p:oleObj>
               </mc:Choice>
@@ -38055,7 +38162,7 @@
           <a:graphicData uri="http://schemas.openxmlformats.org/presentationml/2006/ole">
             <mc:AlternateContent xmlns:mc="http://schemas.openxmlformats.org/markup-compatibility/2006">
               <mc:Choice xmlns:v="urn:schemas-microsoft-com:vml" Requires="v">
-                <p:oleObj spid="_x0000_s1030" name="Equation" r:id="rId6" imgW="914400" imgH="198720" progId="Equation.3">
+                <p:oleObj spid="_x0000_s1035" name="Equation" r:id="rId6" imgW="914400" imgH="198720" progId="Equation.3">
                   <p:embed/>
                 </p:oleObj>
               </mc:Choice>
@@ -38543,7 +38650,7 @@
           <a:graphicData uri="http://schemas.openxmlformats.org/presentationml/2006/ole">
             <mc:AlternateContent xmlns:mc="http://schemas.openxmlformats.org/markup-compatibility/2006">
               <mc:Choice xmlns:v="urn:schemas-microsoft-com:vml" Requires="v">
-                <p:oleObj spid="_x0000_s2053" name="Equation" r:id="rId4" imgW="914400" imgH="198720" progId="">
+                <p:oleObj spid="_x0000_s2058" name="Equation" r:id="rId4" imgW="914400" imgH="198720" progId="">
                   <p:embed/>
                 </p:oleObj>
               </mc:Choice>
@@ -38613,7 +38720,7 @@
           <a:graphicData uri="http://schemas.openxmlformats.org/presentationml/2006/ole">
             <mc:AlternateContent xmlns:mc="http://schemas.openxmlformats.org/markup-compatibility/2006">
               <mc:Choice xmlns:v="urn:schemas-microsoft-com:vml" Requires="v">
-                <p:oleObj spid="_x0000_s2054" name="Equation" r:id="rId6" imgW="914400" imgH="198720" progId="Equation.3">
+                <p:oleObj spid="_x0000_s2059" name="Equation" r:id="rId6" imgW="914400" imgH="198720" progId="Equation.3">
                   <p:embed/>
                 </p:oleObj>
               </mc:Choice>

--- a/fall11/slidesF11/slides8w.pptx
+++ b/fall11/slidesF11/slides8w.pptx
@@ -13422,7 +13422,7 @@
         </p:nvSpPr>
         <p:spPr bwMode="auto">
           <a:xfrm>
-            <a:off x="2486025" y="5202238"/>
+            <a:off x="2557240" y="5510862"/>
             <a:ext cx="5461000" cy="579437"/>
           </a:xfrm>
           <a:prstGeom prst="rect">
@@ -13458,10 +13458,24 @@
               <a:t>B</a:t>
             </a:r>
             <a:r>
+              <a:rPr lang="en-US" dirty="0"/>
+              <a:t> </a:t>
+            </a:r>
+            <a:r>
+              <a:rPr lang="en-US" dirty="0" smtClean="0"/>
+              <a:t>   </a:t>
+            </a:r>
+            <a:r>
+              <a:rPr lang="en-US" sz="3200" dirty="0" smtClean="0">
+                <a:latin typeface="Comic Sans MS" pitchFamily="66" charset="0"/>
+              </a:rPr>
+              <a:t> </a:t>
+            </a:r>
+            <a:r>
               <a:rPr lang="en-US" sz="3200" dirty="0">
                 <a:latin typeface="Comic Sans MS" pitchFamily="66" charset="0"/>
               </a:rPr>
-              <a:t>	 C     </a:t>
+              <a:t>C     </a:t>
             </a:r>
             <a:r>
               <a:rPr lang="en-US" sz="3200" dirty="0" smtClean="0">
@@ -13470,24 +13484,153 @@
               <a:t>D</a:t>
             </a:r>
             <a:r>
-              <a:rPr lang="en-US" sz="3200" dirty="0">
+              <a:rPr lang="en-US" dirty="0"/>
+              <a:t> </a:t>
+            </a:r>
+            <a:r>
+              <a:rPr lang="en-US" dirty="0" smtClean="0"/>
+              <a:t>   </a:t>
+            </a:r>
+            <a:r>
+              <a:rPr lang="en-US" sz="3200" dirty="0" smtClean="0">
                 <a:latin typeface="Comic Sans MS" pitchFamily="66" charset="0"/>
               </a:rPr>
-              <a:t>	E</a:t>
-            </a:r>
+              <a:t>E</a:t>
+            </a:r>
+            <a:endParaRPr lang="en-US" sz="3200" dirty="0">
+              <a:latin typeface="Comic Sans MS" pitchFamily="66" charset="0"/>
+            </a:endParaRPr>
+          </a:p>
+        </p:txBody>
+      </p:sp>
+      <p:sp>
+        <p:nvSpPr>
+          <p:cNvPr id="11280" name="Text Box 16"/>
+          <p:cNvSpPr txBox="1">
+            <a:spLocks noChangeArrowheads="1"/>
+          </p:cNvSpPr>
+          <p:nvPr/>
+        </p:nvSpPr>
+        <p:spPr bwMode="auto">
+          <a:xfrm>
+            <a:off x="1076325" y="2867025"/>
+            <a:ext cx="1295547" cy="707886"/>
+          </a:xfrm>
+          <a:prstGeom prst="rect">
+            <a:avLst/>
+          </a:prstGeom>
+          <a:noFill/>
+          <a:ln w="9525">
+            <a:noFill/>
+            <a:miter lim="800000"/>
+            <a:headEnd/>
+            <a:tailEnd type="none" w="lg" len="lg"/>
+          </a:ln>
+        </p:spPr>
+        <p:txBody>
+          <a:bodyPr wrap="none">
+            <a:spAutoFit/>
+          </a:bodyPr>
+          <a:lstStyle/>
+          <a:p>
+            <a:pPr>
+              <a:buNone/>
+            </a:pPr>
+            <a:r>
+              <a:rPr lang="en-US" sz="4000">
+                <a:latin typeface="Comic Sans MS" pitchFamily="66" charset="0"/>
+              </a:rPr>
+              <a:t>Boys</a:t>
+            </a:r>
+          </a:p>
+        </p:txBody>
+      </p:sp>
+      <p:sp>
+        <p:nvSpPr>
+          <p:cNvPr id="11281" name="Text Box 17"/>
+          <p:cNvSpPr txBox="1">
+            <a:spLocks noChangeArrowheads="1"/>
+          </p:cNvSpPr>
+          <p:nvPr/>
+        </p:nvSpPr>
+        <p:spPr bwMode="auto">
+          <a:xfrm>
+            <a:off x="1025525" y="4238625"/>
+            <a:ext cx="1316386" cy="707886"/>
+          </a:xfrm>
+          <a:prstGeom prst="rect">
+            <a:avLst/>
+          </a:prstGeom>
+          <a:noFill/>
+          <a:ln w="9525">
+            <a:noFill/>
+            <a:miter lim="800000"/>
+            <a:headEnd/>
+            <a:tailEnd type="none" w="lg" len="lg"/>
+          </a:ln>
+        </p:spPr>
+        <p:txBody>
+          <a:bodyPr wrap="none">
+            <a:spAutoFit/>
+          </a:bodyPr>
+          <a:lstStyle/>
+          <a:p>
+            <a:pPr>
+              <a:buNone/>
+            </a:pPr>
+            <a:r>
+              <a:rPr lang="en-US" sz="4000">
+                <a:latin typeface="Comic Sans MS" pitchFamily="66" charset="0"/>
+              </a:rPr>
+              <a:t>Girls</a:t>
+            </a:r>
+          </a:p>
+        </p:txBody>
+      </p:sp>
+      <p:sp>
+        <p:nvSpPr>
+          <p:cNvPr id="11282" name="Slide Number Placeholder 1"/>
+          <p:cNvSpPr>
+            <a:spLocks noGrp="1"/>
+          </p:cNvSpPr>
+          <p:nvPr>
+            <p:ph type="sldNum" sz="quarter" idx="10"/>
+          </p:nvPr>
+        </p:nvSpPr>
+        <p:spPr>
+          <a:noFill/>
+        </p:spPr>
+        <p:txBody>
+          <a:bodyPr/>
+          <a:lstStyle/>
+          <a:p>
+            <a:r>
+              <a:rPr lang="en-US" dirty="0" err="1" smtClean="0"/>
+              <a:t>lec</a:t>
+            </a:r>
+            <a:r>
+              <a:rPr lang="en-US" dirty="0" smtClean="0"/>
+              <a:t> 7F.</a:t>
+            </a:r>
+            <a:fld id="{83C04413-F31C-46EF-A14A-12FA29716134}" type="slidenum">
+              <a:rPr lang="en-US" smtClean="0"/>
+              <a:pPr/>
+              <a:t>2</a:t>
+            </a:fld>
+            <a:endParaRPr lang="en-US" dirty="0" smtClean="0"/>
           </a:p>
         </p:txBody>
       </p:sp>
       <p:pic>
         <p:nvPicPr>
-          <p:cNvPr id="11278" name="Picture 14" descr="j0232890[1]"/>
+          <p:cNvPr id="19" name="Picture 5" descr="j0232890[1]"/>
           <p:cNvPicPr>
             <a:picLocks noChangeAspect="1" noChangeArrowheads="1"/>
           </p:cNvPicPr>
           <p:nvPr/>
         </p:nvPicPr>
         <p:blipFill>
-          <a:blip r:embed="rId11"/>
+          <a:blip r:embed="rId4"/>
           <a:srcRect/>
           <a:stretch>
             <a:fillRect/>
@@ -13495,7 +13638,7 @@
         </p:blipFill>
         <p:spPr bwMode="auto">
           <a:xfrm>
-            <a:off x="5943600" y="2609850"/>
+            <a:off x="5957214" y="2631678"/>
             <a:ext cx="900113" cy="1325563"/>
           </a:xfrm>
           <a:prstGeom prst="rect">
@@ -13512,14 +13655,14 @@
       </p:pic>
       <p:pic>
         <p:nvPicPr>
-          <p:cNvPr id="11279" name="Picture 15" descr="j0135033[1]"/>
+          <p:cNvPr id="20" name="Picture 11" descr="j0135033[1]"/>
           <p:cNvPicPr>
             <a:picLocks noChangeAspect="1" noChangeArrowheads="1"/>
           </p:cNvPicPr>
           <p:nvPr/>
         </p:nvPicPr>
         <p:blipFill>
-          <a:blip r:embed="rId12"/>
+          <a:blip r:embed="rId9"/>
           <a:srcRect/>
           <a:stretch>
             <a:fillRect/>
@@ -13527,7 +13670,7 @@
         </p:blipFill>
         <p:spPr bwMode="auto">
           <a:xfrm>
-            <a:off x="6019800" y="3981450"/>
+            <a:off x="6033414" y="4003278"/>
             <a:ext cx="544513" cy="1219200"/>
           </a:xfrm>
           <a:prstGeom prst="rect">
@@ -13542,124 +13685,6 @@
           </a:ln>
         </p:spPr>
       </p:pic>
-      <p:sp>
-        <p:nvSpPr>
-          <p:cNvPr id="11280" name="Text Box 16"/>
-          <p:cNvSpPr txBox="1">
-            <a:spLocks noChangeArrowheads="1"/>
-          </p:cNvSpPr>
-          <p:nvPr/>
-        </p:nvSpPr>
-        <p:spPr bwMode="auto">
-          <a:xfrm>
-            <a:off x="1076325" y="2867025"/>
-            <a:ext cx="1295547" cy="707886"/>
-          </a:xfrm>
-          <a:prstGeom prst="rect">
-            <a:avLst/>
-          </a:prstGeom>
-          <a:noFill/>
-          <a:ln w="9525">
-            <a:noFill/>
-            <a:miter lim="800000"/>
-            <a:headEnd/>
-            <a:tailEnd type="none" w="lg" len="lg"/>
-          </a:ln>
-        </p:spPr>
-        <p:txBody>
-          <a:bodyPr wrap="none">
-            <a:spAutoFit/>
-          </a:bodyPr>
-          <a:lstStyle/>
-          <a:p>
-            <a:pPr>
-              <a:buNone/>
-            </a:pPr>
-            <a:r>
-              <a:rPr lang="en-US" sz="4000">
-                <a:latin typeface="Comic Sans MS" pitchFamily="66" charset="0"/>
-              </a:rPr>
-              <a:t>Boys</a:t>
-            </a:r>
-          </a:p>
-        </p:txBody>
-      </p:sp>
-      <p:sp>
-        <p:nvSpPr>
-          <p:cNvPr id="11281" name="Text Box 17"/>
-          <p:cNvSpPr txBox="1">
-            <a:spLocks noChangeArrowheads="1"/>
-          </p:cNvSpPr>
-          <p:nvPr/>
-        </p:nvSpPr>
-        <p:spPr bwMode="auto">
-          <a:xfrm>
-            <a:off x="1025525" y="4238625"/>
-            <a:ext cx="1316386" cy="707886"/>
-          </a:xfrm>
-          <a:prstGeom prst="rect">
-            <a:avLst/>
-          </a:prstGeom>
-          <a:noFill/>
-          <a:ln w="9525">
-            <a:noFill/>
-            <a:miter lim="800000"/>
-            <a:headEnd/>
-            <a:tailEnd type="none" w="lg" len="lg"/>
-          </a:ln>
-        </p:spPr>
-        <p:txBody>
-          <a:bodyPr wrap="none">
-            <a:spAutoFit/>
-          </a:bodyPr>
-          <a:lstStyle/>
-          <a:p>
-            <a:pPr>
-              <a:buNone/>
-            </a:pPr>
-            <a:r>
-              <a:rPr lang="en-US" sz="4000">
-                <a:latin typeface="Comic Sans MS" pitchFamily="66" charset="0"/>
-              </a:rPr>
-              <a:t>Girls</a:t>
-            </a:r>
-          </a:p>
-        </p:txBody>
-      </p:sp>
-      <p:sp>
-        <p:nvSpPr>
-          <p:cNvPr id="11282" name="Slide Number Placeholder 1"/>
-          <p:cNvSpPr>
-            <a:spLocks noGrp="1"/>
-          </p:cNvSpPr>
-          <p:nvPr>
-            <p:ph type="sldNum" sz="quarter" idx="10"/>
-          </p:nvPr>
-        </p:nvSpPr>
-        <p:spPr>
-          <a:noFill/>
-        </p:spPr>
-        <p:txBody>
-          <a:bodyPr/>
-          <a:lstStyle/>
-          <a:p>
-            <a:r>
-              <a:rPr lang="en-US" dirty="0" err="1" smtClean="0"/>
-              <a:t>lec</a:t>
-            </a:r>
-            <a:r>
-              <a:rPr lang="en-US" dirty="0" smtClean="0"/>
-              <a:t> 7F.</a:t>
-            </a:r>
-            <a:fld id="{83C04413-F31C-46EF-A14A-12FA29716134}" type="slidenum">
-              <a:rPr lang="en-US" smtClean="0"/>
-              <a:pPr/>
-              <a:t>2</a:t>
-            </a:fld>
-            <a:endParaRPr lang="en-US" dirty="0" smtClean="0"/>
-          </a:p>
-        </p:txBody>
-      </p:sp>
     </p:spTree>
   </p:cSld>
   <p:clrMapOvr>
@@ -25433,6 +25458,9 @@
           <a:bodyPr wrap="none" anchor="ctr"/>
           <a:lstStyle/>
           <a:p>
+            <a:pPr>
+              <a:buNone/>
+            </a:pPr>
             <a:endParaRPr lang="en-US"/>
           </a:p>
         </p:txBody>
@@ -25448,7 +25476,7 @@
         <p:spPr bwMode="auto">
           <a:xfrm>
             <a:off x="1658938" y="2125663"/>
-            <a:ext cx="530225" cy="701675"/>
+            <a:ext cx="463588" cy="584776"/>
           </a:xfrm>
           <a:prstGeom prst="rect">
             <a:avLst/>
@@ -25467,6 +25495,9 @@
           </a:bodyPr>
           <a:lstStyle/>
           <a:p>
+            <a:pPr>
+              <a:buNone/>
+            </a:pPr>
             <a:r>
               <a:rPr lang="en-US" dirty="0">
                 <a:solidFill>
@@ -25511,6 +25542,9 @@
           <a:bodyPr wrap="none" anchor="ctr"/>
           <a:lstStyle/>
           <a:p>
+            <a:pPr>
+              <a:buNone/>
+            </a:pPr>
             <a:endParaRPr lang="en-US"/>
           </a:p>
         </p:txBody>
@@ -25547,6 +25581,9 @@
           <a:bodyPr wrap="none" anchor="ctr"/>
           <a:lstStyle/>
           <a:p>
+            <a:pPr>
+              <a:buNone/>
+            </a:pPr>
             <a:endParaRPr lang="en-US"/>
           </a:p>
         </p:txBody>
@@ -25583,6 +25620,9 @@
           <a:bodyPr wrap="none" anchor="ctr"/>
           <a:lstStyle/>
           <a:p>
+            <a:pPr>
+              <a:buNone/>
+            </a:pPr>
             <a:endParaRPr lang="en-US"/>
           </a:p>
         </p:txBody>
@@ -25619,6 +25659,9 @@
           <a:bodyPr wrap="none" anchor="ctr"/>
           <a:lstStyle/>
           <a:p>
+            <a:pPr>
+              <a:buNone/>
+            </a:pPr>
             <a:endParaRPr lang="en-US"/>
           </a:p>
         </p:txBody>
@@ -25653,6 +25696,9 @@
           <a:bodyPr wrap="none" anchor="ctr"/>
           <a:lstStyle/>
           <a:p>
+            <a:pPr>
+              <a:buNone/>
+            </a:pPr>
             <a:endParaRPr lang="en-US"/>
           </a:p>
         </p:txBody>
@@ -25668,7 +25714,7 @@
         <p:spPr bwMode="auto">
           <a:xfrm>
             <a:off x="7010400" y="1973263"/>
-            <a:ext cx="504825" cy="701675"/>
+            <a:ext cx="443351" cy="584776"/>
           </a:xfrm>
           <a:prstGeom prst="rect">
             <a:avLst/>
@@ -25687,6 +25733,9 @@
           </a:bodyPr>
           <a:lstStyle/>
           <a:p>
+            <a:pPr>
+              <a:buNone/>
+            </a:pPr>
             <a:r>
               <a:rPr lang="en-US">
                 <a:solidFill>
@@ -25731,6 +25780,9 @@
           <a:bodyPr wrap="none" anchor="ctr"/>
           <a:lstStyle/>
           <a:p>
+            <a:pPr>
+              <a:buNone/>
+            </a:pPr>
             <a:endParaRPr lang="en-US"/>
           </a:p>
         </p:txBody>
@@ -25767,6 +25819,9 @@
           <a:bodyPr wrap="none" anchor="ctr"/>
           <a:lstStyle/>
           <a:p>
+            <a:pPr>
+              <a:buNone/>
+            </a:pPr>
             <a:endParaRPr lang="en-US"/>
           </a:p>
         </p:txBody>
@@ -25803,6 +25858,9 @@
           <a:bodyPr wrap="none" anchor="ctr"/>
           <a:lstStyle/>
           <a:p>
+            <a:pPr>
+              <a:buNone/>
+            </a:pPr>
             <a:endParaRPr lang="en-US"/>
           </a:p>
         </p:txBody>
@@ -25839,6 +25897,9 @@
           <a:bodyPr wrap="none" anchor="ctr"/>
           <a:lstStyle/>
           <a:p>
+            <a:pPr>
+              <a:buNone/>
+            </a:pPr>
             <a:endParaRPr lang="en-US"/>
           </a:p>
         </p:txBody>
@@ -25875,6 +25936,9 @@
           <a:bodyPr wrap="none" anchor="ctr"/>
           <a:lstStyle/>
           <a:p>
+            <a:pPr>
+              <a:buNone/>
+            </a:pPr>
             <a:endParaRPr lang="en-US"/>
           </a:p>
         </p:txBody>
@@ -25890,7 +25954,7 @@
         <p:spPr bwMode="auto">
           <a:xfrm>
             <a:off x="2438400" y="5519738"/>
-            <a:ext cx="2765501" cy="707886"/>
+            <a:ext cx="2248532" cy="584776"/>
           </a:xfrm>
           <a:prstGeom prst="rect">
             <a:avLst/>
@@ -25909,6 +25973,9 @@
           </a:bodyPr>
           <a:lstStyle/>
           <a:p>
+            <a:pPr>
+              <a:buNone/>
+            </a:pPr>
             <a:r>
               <a:rPr lang="en-US" dirty="0">
                 <a:latin typeface="Comic Sans MS" pitchFamily="8" charset="0"/>
@@ -26016,6 +26083,9 @@
           <a:bodyPr/>
           <a:lstStyle/>
           <a:p>
+            <a:pPr>
+              <a:buNone/>
+            </a:pPr>
             <a:endParaRPr lang="en-US"/>
           </a:p>
         </p:txBody>
@@ -26538,6 +26608,9 @@
             <a:bodyPr wrap="none" anchor="ctr"/>
             <a:lstStyle/>
             <a:p>
+              <a:pPr>
+                <a:buNone/>
+              </a:pPr>
               <a:endParaRPr lang="en-US"/>
             </a:p>
           </p:txBody>
@@ -26553,7 +26626,7 @@
           <p:spPr bwMode="auto">
             <a:xfrm>
               <a:off x="1045" y="1339"/>
-              <a:ext cx="334" cy="442"/>
+              <a:ext cx="292" cy="368"/>
             </a:xfrm>
             <a:prstGeom prst="rect">
               <a:avLst/>
@@ -26572,6 +26645,9 @@
             </a:bodyPr>
             <a:lstStyle/>
             <a:p>
+              <a:pPr>
+                <a:buNone/>
+              </a:pPr>
               <a:r>
                 <a:rPr lang="en-US">
                   <a:solidFill>
@@ -26633,6 +26709,9 @@
             <a:bodyPr wrap="none" anchor="ctr"/>
             <a:lstStyle/>
             <a:p>
+              <a:pPr>
+                <a:buNone/>
+              </a:pPr>
               <a:endParaRPr lang="en-US"/>
             </a:p>
           </p:txBody>
@@ -26685,6 +26764,9 @@
               <a:bodyPr wrap="none" anchor="ctr"/>
               <a:lstStyle/>
               <a:p>
+                <a:pPr>
+                  <a:buNone/>
+                </a:pPr>
                 <a:endParaRPr lang="en-US"/>
               </a:p>
             </p:txBody>
@@ -26721,6 +26803,9 @@
               <a:bodyPr wrap="none" anchor="ctr"/>
               <a:lstStyle/>
               <a:p>
+                <a:pPr>
+                  <a:buNone/>
+                </a:pPr>
                 <a:endParaRPr lang="en-US"/>
               </a:p>
             </p:txBody>
@@ -26758,6 +26843,9 @@
             <a:bodyPr wrap="none" anchor="ctr"/>
             <a:lstStyle/>
             <a:p>
+              <a:pPr>
+                <a:buNone/>
+              </a:pPr>
               <a:endParaRPr lang="en-US"/>
             </a:p>
           </p:txBody>
@@ -26809,6 +26897,9 @@
             <a:bodyPr wrap="none" anchor="ctr"/>
             <a:lstStyle/>
             <a:p>
+              <a:pPr>
+                <a:buNone/>
+              </a:pPr>
               <a:endParaRPr lang="en-US"/>
             </a:p>
           </p:txBody>
@@ -26824,7 +26915,7 @@
           <p:spPr bwMode="auto">
             <a:xfrm>
               <a:off x="4416" y="1291"/>
-              <a:ext cx="318" cy="442"/>
+              <a:ext cx="279" cy="368"/>
             </a:xfrm>
             <a:prstGeom prst="rect">
               <a:avLst/>
@@ -26843,6 +26934,9 @@
             </a:bodyPr>
             <a:lstStyle/>
             <a:p>
+              <a:pPr>
+                <a:buNone/>
+              </a:pPr>
               <a:r>
                 <a:rPr lang="en-US">
                   <a:solidFill>
@@ -26920,6 +27014,9 @@
               <a:bodyPr wrap="none" anchor="ctr"/>
               <a:lstStyle/>
               <a:p>
+                <a:pPr>
+                  <a:buNone/>
+                </a:pPr>
                 <a:endParaRPr lang="en-US"/>
               </a:p>
             </p:txBody>
@@ -26956,6 +27053,9 @@
               <a:bodyPr wrap="none" anchor="ctr"/>
               <a:lstStyle/>
               <a:p>
+                <a:pPr>
+                  <a:buNone/>
+                </a:pPr>
                 <a:endParaRPr lang="en-US"/>
               </a:p>
             </p:txBody>
@@ -26992,6 +27092,9 @@
               <a:bodyPr wrap="none" anchor="ctr"/>
               <a:lstStyle/>
               <a:p>
+                <a:pPr>
+                  <a:buNone/>
+                </a:pPr>
                 <a:endParaRPr lang="en-US"/>
               </a:p>
             </p:txBody>
@@ -27028,6 +27131,9 @@
               <a:bodyPr wrap="none" anchor="ctr"/>
               <a:lstStyle/>
               <a:p>
+                <a:pPr>
+                  <a:buNone/>
+                </a:pPr>
                 <a:endParaRPr lang="en-US"/>
               </a:p>
             </p:txBody>
@@ -27065,6 +27171,9 @@
             <a:bodyPr wrap="none" anchor="ctr"/>
             <a:lstStyle/>
             <a:p>
+              <a:pPr>
+                <a:buNone/>
+              </a:pPr>
               <a:endParaRPr lang="en-US"/>
             </a:p>
           </p:txBody>
@@ -27335,7 +27444,7 @@
         <p:spPr bwMode="auto">
           <a:xfrm>
             <a:off x="2170113" y="5160963"/>
-            <a:ext cx="4837112" cy="1190625"/>
+            <a:ext cx="5070619" cy="1311128"/>
           </a:xfrm>
           <a:prstGeom prst="rect">
             <a:avLst/>
@@ -27354,6 +27463,9 @@
           </a:bodyPr>
           <a:lstStyle/>
           <a:p>
+            <a:pPr>
+              <a:buNone/>
+            </a:pPr>
             <a:r>
               <a:rPr lang="en-US" sz="3600">
                 <a:solidFill>
@@ -27371,6 +27483,9 @@
             </a:r>
           </a:p>
           <a:p>
+            <a:pPr>
+              <a:buNone/>
+            </a:pPr>
             <a:r>
               <a:rPr lang="en-US" sz="3600">
                 <a:latin typeface="Comic Sans MS" pitchFamily="8" charset="0"/>
@@ -27518,6 +27633,9 @@
           <a:bodyPr wrap="none" anchor="ctr"/>
           <a:lstStyle/>
           <a:p>
+            <a:pPr>
+              <a:buNone/>
+            </a:pPr>
             <a:endParaRPr lang="en-US"/>
           </a:p>
         </p:txBody>
@@ -27533,7 +27651,7 @@
         <p:spPr bwMode="auto">
           <a:xfrm>
             <a:off x="1658938" y="2125663"/>
-            <a:ext cx="530225" cy="701675"/>
+            <a:ext cx="463588" cy="584776"/>
           </a:xfrm>
           <a:prstGeom prst="rect">
             <a:avLst/>
@@ -27552,6 +27670,9 @@
           </a:bodyPr>
           <a:lstStyle/>
           <a:p>
+            <a:pPr>
+              <a:buNone/>
+            </a:pPr>
             <a:r>
               <a:rPr lang="en-US">
                 <a:solidFill>
@@ -27596,6 +27717,9 @@
           <a:bodyPr wrap="none" anchor="ctr"/>
           <a:lstStyle/>
           <a:p>
+            <a:pPr>
+              <a:buNone/>
+            </a:pPr>
             <a:endParaRPr lang="en-US"/>
           </a:p>
         </p:txBody>
@@ -27648,6 +27772,9 @@
             <a:bodyPr wrap="none" anchor="ctr"/>
             <a:lstStyle/>
             <a:p>
+              <a:pPr>
+                <a:buNone/>
+              </a:pPr>
               <a:endParaRPr lang="en-US"/>
             </a:p>
           </p:txBody>
@@ -27684,6 +27811,9 @@
             <a:bodyPr wrap="none" anchor="ctr"/>
             <a:lstStyle/>
             <a:p>
+              <a:pPr>
+                <a:buNone/>
+              </a:pPr>
               <a:endParaRPr lang="en-US"/>
             </a:p>
           </p:txBody>
@@ -27721,6 +27851,9 @@
           <a:bodyPr wrap="none" anchor="ctr"/>
           <a:lstStyle/>
           <a:p>
+            <a:pPr>
+              <a:buNone/>
+            </a:pPr>
             <a:endParaRPr lang="en-US"/>
           </a:p>
         </p:txBody>
@@ -27755,6 +27888,9 @@
           <a:bodyPr wrap="none" anchor="ctr"/>
           <a:lstStyle/>
           <a:p>
+            <a:pPr>
+              <a:buNone/>
+            </a:pPr>
             <a:endParaRPr lang="en-US"/>
           </a:p>
         </p:txBody>
@@ -27770,7 +27906,7 @@
         <p:spPr bwMode="auto">
           <a:xfrm>
             <a:off x="7010400" y="1973263"/>
-            <a:ext cx="504825" cy="701675"/>
+            <a:ext cx="443351" cy="584776"/>
           </a:xfrm>
           <a:prstGeom prst="rect">
             <a:avLst/>
@@ -27789,6 +27925,9 @@
           </a:bodyPr>
           <a:lstStyle/>
           <a:p>
+            <a:pPr>
+              <a:buNone/>
+            </a:pPr>
             <a:r>
               <a:rPr lang="en-US">
                 <a:solidFill>
@@ -27849,6 +27988,9 @@
             <a:bodyPr wrap="none" anchor="ctr"/>
             <a:lstStyle/>
             <a:p>
+              <a:pPr>
+                <a:buNone/>
+              </a:pPr>
               <a:endParaRPr lang="en-US"/>
             </a:p>
           </p:txBody>
@@ -27885,6 +28027,9 @@
             <a:bodyPr wrap="none" anchor="ctr"/>
             <a:lstStyle/>
             <a:p>
+              <a:pPr>
+                <a:buNone/>
+              </a:pPr>
               <a:endParaRPr lang="en-US"/>
             </a:p>
           </p:txBody>
@@ -27921,6 +28066,9 @@
             <a:bodyPr wrap="none" anchor="ctr"/>
             <a:lstStyle/>
             <a:p>
+              <a:pPr>
+                <a:buNone/>
+              </a:pPr>
               <a:endParaRPr lang="en-US"/>
             </a:p>
           </p:txBody>
@@ -27957,6 +28105,9 @@
             <a:bodyPr wrap="none" anchor="ctr"/>
             <a:lstStyle/>
             <a:p>
+              <a:pPr>
+                <a:buNone/>
+              </a:pPr>
               <a:endParaRPr lang="en-US"/>
             </a:p>
           </p:txBody>
@@ -27994,6 +28145,9 @@
           <a:bodyPr wrap="none" anchor="ctr"/>
           <a:lstStyle/>
           <a:p>
+            <a:pPr>
+              <a:buNone/>
+            </a:pPr>
             <a:endParaRPr lang="en-US"/>
           </a:p>
         </p:txBody>
@@ -28227,7 +28381,7 @@
         <p:spPr bwMode="auto">
           <a:xfrm>
             <a:off x="2803525" y="5338763"/>
-            <a:ext cx="2722563" cy="701675"/>
+            <a:ext cx="2234907" cy="584776"/>
           </a:xfrm>
           <a:prstGeom prst="rect">
             <a:avLst/>
@@ -28246,6 +28400,9 @@
           </a:bodyPr>
           <a:lstStyle/>
           <a:p>
+            <a:pPr>
+              <a:buNone/>
+            </a:pPr>
             <a:r>
               <a:rPr lang="en-US" dirty="0">
                 <a:latin typeface="Comic Sans MS" pitchFamily="8" charset="0"/>
@@ -28484,6 +28641,9 @@
           <a:bodyPr wrap="none" anchor="ctr"/>
           <a:lstStyle/>
           <a:p>
+            <a:pPr>
+              <a:buNone/>
+            </a:pPr>
             <a:endParaRPr lang="en-US"/>
           </a:p>
         </p:txBody>
@@ -28499,7 +28659,7 @@
         <p:spPr bwMode="auto">
           <a:xfrm>
             <a:off x="1658938" y="2125663"/>
-            <a:ext cx="530225" cy="701675"/>
+            <a:ext cx="463588" cy="584776"/>
           </a:xfrm>
           <a:prstGeom prst="rect">
             <a:avLst/>
@@ -28518,6 +28678,9 @@
           </a:bodyPr>
           <a:lstStyle/>
           <a:p>
+            <a:pPr>
+              <a:buNone/>
+            </a:pPr>
             <a:r>
               <a:rPr lang="en-US">
                 <a:solidFill>
@@ -28562,6 +28725,9 @@
           <a:bodyPr wrap="none" anchor="ctr"/>
           <a:lstStyle/>
           <a:p>
+            <a:pPr>
+              <a:buNone/>
+            </a:pPr>
             <a:endParaRPr lang="en-US"/>
           </a:p>
         </p:txBody>
@@ -28614,6 +28780,9 @@
             <a:bodyPr wrap="none" anchor="ctr"/>
             <a:lstStyle/>
             <a:p>
+              <a:pPr>
+                <a:buNone/>
+              </a:pPr>
               <a:endParaRPr lang="en-US"/>
             </a:p>
           </p:txBody>
@@ -28650,6 +28819,9 @@
             <a:bodyPr wrap="none" anchor="ctr"/>
             <a:lstStyle/>
             <a:p>
+              <a:pPr>
+                <a:buNone/>
+              </a:pPr>
               <a:endParaRPr lang="en-US"/>
             </a:p>
           </p:txBody>
@@ -28687,6 +28859,9 @@
           <a:bodyPr wrap="none" anchor="ctr"/>
           <a:lstStyle/>
           <a:p>
+            <a:pPr>
+              <a:buNone/>
+            </a:pPr>
             <a:endParaRPr lang="en-US"/>
           </a:p>
         </p:txBody>
@@ -28721,6 +28896,9 @@
           <a:bodyPr wrap="none" anchor="ctr"/>
           <a:lstStyle/>
           <a:p>
+            <a:pPr>
+              <a:buNone/>
+            </a:pPr>
             <a:endParaRPr lang="en-US"/>
           </a:p>
         </p:txBody>
@@ -28736,7 +28914,7 @@
         <p:spPr bwMode="auto">
           <a:xfrm>
             <a:off x="7010400" y="1973263"/>
-            <a:ext cx="504825" cy="701675"/>
+            <a:ext cx="443351" cy="584776"/>
           </a:xfrm>
           <a:prstGeom prst="rect">
             <a:avLst/>
@@ -28755,6 +28933,9 @@
           </a:bodyPr>
           <a:lstStyle/>
           <a:p>
+            <a:pPr>
+              <a:buNone/>
+            </a:pPr>
             <a:r>
               <a:rPr lang="en-US">
                 <a:solidFill>
@@ -28815,6 +28996,9 @@
             <a:bodyPr wrap="none" anchor="ctr"/>
             <a:lstStyle/>
             <a:p>
+              <a:pPr>
+                <a:buNone/>
+              </a:pPr>
               <a:endParaRPr lang="en-US"/>
             </a:p>
           </p:txBody>
@@ -28851,6 +29035,9 @@
             <a:bodyPr wrap="none" anchor="ctr"/>
             <a:lstStyle/>
             <a:p>
+              <a:pPr>
+                <a:buNone/>
+              </a:pPr>
               <a:endParaRPr lang="en-US"/>
             </a:p>
           </p:txBody>
@@ -28887,6 +29074,9 @@
             <a:bodyPr wrap="none" anchor="ctr"/>
             <a:lstStyle/>
             <a:p>
+              <a:pPr>
+                <a:buNone/>
+              </a:pPr>
               <a:endParaRPr lang="en-US"/>
             </a:p>
           </p:txBody>
@@ -28923,6 +29113,9 @@
             <a:bodyPr wrap="none" anchor="ctr"/>
             <a:lstStyle/>
             <a:p>
+              <a:pPr>
+                <a:buNone/>
+              </a:pPr>
               <a:endParaRPr lang="en-US"/>
             </a:p>
           </p:txBody>
@@ -28960,6 +29153,9 @@
           <a:bodyPr wrap="none" anchor="ctr"/>
           <a:lstStyle/>
           <a:p>
+            <a:pPr>
+              <a:buNone/>
+            </a:pPr>
             <a:endParaRPr lang="en-US"/>
           </a:p>
         </p:txBody>
@@ -29194,7 +29390,7 @@
         <p:spPr bwMode="auto">
           <a:xfrm>
             <a:off x="914400" y="5775325"/>
-            <a:ext cx="7250113" cy="701675"/>
+            <a:ext cx="5892759" cy="584776"/>
           </a:xfrm>
           <a:prstGeom prst="rect">
             <a:avLst/>
@@ -29213,6 +29409,9 @@
           </a:bodyPr>
           <a:lstStyle/>
           <a:p>
+            <a:pPr>
+              <a:buNone/>
+            </a:pPr>
             <a:r>
               <a:rPr lang="en-US" dirty="0">
                 <a:latin typeface="Comic Sans MS" pitchFamily="8" charset="0"/>
@@ -29375,6 +29574,9 @@
           <a:bodyPr wrap="none" anchor="ctr"/>
           <a:lstStyle/>
           <a:p>
+            <a:pPr>
+              <a:buNone/>
+            </a:pPr>
             <a:endParaRPr lang="en-US"/>
           </a:p>
         </p:txBody>
@@ -29390,7 +29592,7 @@
         <p:spPr bwMode="auto">
           <a:xfrm>
             <a:off x="1658938" y="2125663"/>
-            <a:ext cx="530225" cy="701675"/>
+            <a:ext cx="463588" cy="584776"/>
           </a:xfrm>
           <a:prstGeom prst="rect">
             <a:avLst/>
@@ -29409,6 +29611,9 @@
           </a:bodyPr>
           <a:lstStyle/>
           <a:p>
+            <a:pPr>
+              <a:buNone/>
+            </a:pPr>
             <a:r>
               <a:rPr lang="en-US">
                 <a:solidFill>
@@ -29453,6 +29658,9 @@
           <a:bodyPr wrap="none" anchor="ctr"/>
           <a:lstStyle/>
           <a:p>
+            <a:pPr>
+              <a:buNone/>
+            </a:pPr>
             <a:endParaRPr lang="en-US"/>
           </a:p>
         </p:txBody>
@@ -29505,6 +29713,9 @@
             <a:bodyPr wrap="none" anchor="ctr"/>
             <a:lstStyle/>
             <a:p>
+              <a:pPr>
+                <a:buNone/>
+              </a:pPr>
               <a:endParaRPr lang="en-US"/>
             </a:p>
           </p:txBody>
@@ -29541,6 +29752,9 @@
             <a:bodyPr wrap="none" anchor="ctr"/>
             <a:lstStyle/>
             <a:p>
+              <a:pPr>
+                <a:buNone/>
+              </a:pPr>
               <a:endParaRPr lang="en-US"/>
             </a:p>
           </p:txBody>
@@ -29578,6 +29792,9 @@
           <a:bodyPr wrap="none" anchor="ctr"/>
           <a:lstStyle/>
           <a:p>
+            <a:pPr>
+              <a:buNone/>
+            </a:pPr>
             <a:endParaRPr lang="en-US"/>
           </a:p>
         </p:txBody>
@@ -29612,6 +29829,9 @@
           <a:bodyPr wrap="none" anchor="ctr"/>
           <a:lstStyle/>
           <a:p>
+            <a:pPr>
+              <a:buNone/>
+            </a:pPr>
             <a:endParaRPr lang="en-US"/>
           </a:p>
         </p:txBody>
@@ -29627,7 +29847,7 @@
         <p:spPr bwMode="auto">
           <a:xfrm>
             <a:off x="7010400" y="1973263"/>
-            <a:ext cx="504825" cy="701675"/>
+            <a:ext cx="443351" cy="584776"/>
           </a:xfrm>
           <a:prstGeom prst="rect">
             <a:avLst/>
@@ -29646,6 +29866,9 @@
           </a:bodyPr>
           <a:lstStyle/>
           <a:p>
+            <a:pPr>
+              <a:buNone/>
+            </a:pPr>
             <a:r>
               <a:rPr lang="en-US">
                 <a:solidFill>
@@ -29706,6 +29929,9 @@
             <a:bodyPr wrap="none" anchor="ctr"/>
             <a:lstStyle/>
             <a:p>
+              <a:pPr>
+                <a:buNone/>
+              </a:pPr>
               <a:endParaRPr lang="en-US"/>
             </a:p>
           </p:txBody>
@@ -29742,6 +29968,9 @@
             <a:bodyPr wrap="none" anchor="ctr"/>
             <a:lstStyle/>
             <a:p>
+              <a:pPr>
+                <a:buNone/>
+              </a:pPr>
               <a:endParaRPr lang="en-US"/>
             </a:p>
           </p:txBody>
@@ -29778,6 +30007,9 @@
             <a:bodyPr wrap="none" anchor="ctr"/>
             <a:lstStyle/>
             <a:p>
+              <a:pPr>
+                <a:buNone/>
+              </a:pPr>
               <a:endParaRPr lang="en-US"/>
             </a:p>
           </p:txBody>
@@ -29814,6 +30046,9 @@
             <a:bodyPr wrap="none" anchor="ctr"/>
             <a:lstStyle/>
             <a:p>
+              <a:pPr>
+                <a:buNone/>
+              </a:pPr>
               <a:endParaRPr lang="en-US"/>
             </a:p>
           </p:txBody>
@@ -29851,6 +30086,9 @@
           <a:bodyPr wrap="none" anchor="ctr"/>
           <a:lstStyle/>
           <a:p>
+            <a:pPr>
+              <a:buNone/>
+            </a:pPr>
             <a:endParaRPr lang="en-US"/>
           </a:p>
         </p:txBody>
@@ -30151,7 +30389,7 @@
         <p:spPr bwMode="auto">
           <a:xfrm>
             <a:off x="914400" y="5775325"/>
-            <a:ext cx="7250113" cy="701675"/>
+            <a:ext cx="5892759" cy="584776"/>
           </a:xfrm>
           <a:prstGeom prst="rect">
             <a:avLst/>
@@ -30170,6 +30408,9 @@
           </a:bodyPr>
           <a:lstStyle/>
           <a:p>
+            <a:pPr>
+              <a:buNone/>
+            </a:pPr>
             <a:r>
               <a:rPr lang="en-US" dirty="0">
                 <a:latin typeface="Comic Sans MS" pitchFamily="8" charset="0"/>
@@ -30264,6 +30505,9 @@
           <a:bodyPr wrap="none" anchor="ctr"/>
           <a:lstStyle/>
           <a:p>
+            <a:pPr>
+              <a:buNone/>
+            </a:pPr>
             <a:endParaRPr lang="en-US"/>
           </a:p>
         </p:txBody>
@@ -30279,7 +30523,7 @@
         <p:spPr bwMode="auto">
           <a:xfrm>
             <a:off x="1658938" y="2125663"/>
-            <a:ext cx="530225" cy="701675"/>
+            <a:ext cx="463588" cy="584776"/>
           </a:xfrm>
           <a:prstGeom prst="rect">
             <a:avLst/>
@@ -30298,6 +30542,9 @@
           </a:bodyPr>
           <a:lstStyle/>
           <a:p>
+            <a:pPr>
+              <a:buNone/>
+            </a:pPr>
             <a:r>
               <a:rPr lang="en-US">
                 <a:solidFill>
@@ -30342,6 +30589,9 @@
           <a:bodyPr wrap="none" anchor="ctr"/>
           <a:lstStyle/>
           <a:p>
+            <a:pPr>
+              <a:buNone/>
+            </a:pPr>
             <a:endParaRPr lang="en-US"/>
           </a:p>
         </p:txBody>
@@ -30394,6 +30644,9 @@
             <a:bodyPr wrap="none" anchor="ctr"/>
             <a:lstStyle/>
             <a:p>
+              <a:pPr>
+                <a:buNone/>
+              </a:pPr>
               <a:endParaRPr lang="en-US"/>
             </a:p>
           </p:txBody>
@@ -30430,6 +30683,9 @@
             <a:bodyPr wrap="none" anchor="ctr"/>
             <a:lstStyle/>
             <a:p>
+              <a:pPr>
+                <a:buNone/>
+              </a:pPr>
               <a:endParaRPr lang="en-US"/>
             </a:p>
           </p:txBody>
@@ -30467,6 +30723,9 @@
           <a:bodyPr wrap="none" anchor="ctr"/>
           <a:lstStyle/>
           <a:p>
+            <a:pPr>
+              <a:buNone/>
+            </a:pPr>
             <a:endParaRPr lang="en-US"/>
           </a:p>
         </p:txBody>
@@ -30501,6 +30760,9 @@
           <a:bodyPr wrap="none" anchor="ctr"/>
           <a:lstStyle/>
           <a:p>
+            <a:pPr>
+              <a:buNone/>
+            </a:pPr>
             <a:endParaRPr lang="en-US"/>
           </a:p>
         </p:txBody>
@@ -30516,7 +30778,7 @@
         <p:spPr bwMode="auto">
           <a:xfrm>
             <a:off x="7010400" y="1973263"/>
-            <a:ext cx="504825" cy="701675"/>
+            <a:ext cx="443351" cy="584776"/>
           </a:xfrm>
           <a:prstGeom prst="rect">
             <a:avLst/>
@@ -30535,6 +30797,9 @@
           </a:bodyPr>
           <a:lstStyle/>
           <a:p>
+            <a:pPr>
+              <a:buNone/>
+            </a:pPr>
             <a:r>
               <a:rPr lang="en-US">
                 <a:solidFill>
@@ -30595,6 +30860,9 @@
             <a:bodyPr wrap="none" anchor="ctr"/>
             <a:lstStyle/>
             <a:p>
+              <a:pPr>
+                <a:buNone/>
+              </a:pPr>
               <a:endParaRPr lang="en-US"/>
             </a:p>
           </p:txBody>
@@ -30631,6 +30899,9 @@
             <a:bodyPr wrap="none" anchor="ctr"/>
             <a:lstStyle/>
             <a:p>
+              <a:pPr>
+                <a:buNone/>
+              </a:pPr>
               <a:endParaRPr lang="en-US"/>
             </a:p>
           </p:txBody>
@@ -30667,6 +30938,9 @@
             <a:bodyPr wrap="none" anchor="ctr"/>
             <a:lstStyle/>
             <a:p>
+              <a:pPr>
+                <a:buNone/>
+              </a:pPr>
               <a:endParaRPr lang="en-US"/>
             </a:p>
           </p:txBody>
@@ -30703,6 +30977,9 @@
             <a:bodyPr wrap="none" anchor="ctr"/>
             <a:lstStyle/>
             <a:p>
+              <a:pPr>
+                <a:buNone/>
+              </a:pPr>
               <a:endParaRPr lang="en-US"/>
             </a:p>
           </p:txBody>
@@ -30740,6 +31017,9 @@
           <a:bodyPr wrap="none" anchor="ctr"/>
           <a:lstStyle/>
           <a:p>
+            <a:pPr>
+              <a:buNone/>
+            </a:pPr>
             <a:endParaRPr lang="en-US"/>
           </a:p>
         </p:txBody>
@@ -31021,6 +31301,9 @@
             <a:bodyPr wrap="none" anchor="ctr"/>
             <a:lstStyle/>
             <a:p>
+              <a:pPr>
+                <a:buNone/>
+              </a:pPr>
               <a:endParaRPr lang="en-US"/>
             </a:p>
           </p:txBody>
@@ -31055,6 +31338,9 @@
             </a:bodyPr>
             <a:lstStyle/>
             <a:p>
+              <a:pPr>
+                <a:buNone/>
+              </a:pPr>
               <a:r>
                 <a:rPr lang="en-US" sz="4800" dirty="0" smtClean="0">
                   <a:latin typeface="Comic Sans MS" pitchFamily="8" charset="0"/>
@@ -32169,6 +32455,9 @@
           <a:bodyPr wrap="none" anchor="ctr"/>
           <a:lstStyle/>
           <a:p>
+            <a:pPr>
+              <a:buNone/>
+            </a:pPr>
             <a:endParaRPr lang="en-US"/>
           </a:p>
         </p:txBody>
@@ -32184,7 +32473,7 @@
         <p:spPr bwMode="auto">
           <a:xfrm>
             <a:off x="1658938" y="2125663"/>
-            <a:ext cx="530225" cy="701675"/>
+            <a:ext cx="463588" cy="584776"/>
           </a:xfrm>
           <a:prstGeom prst="rect">
             <a:avLst/>
@@ -32203,6 +32492,9 @@
           </a:bodyPr>
           <a:lstStyle/>
           <a:p>
+            <a:pPr>
+              <a:buNone/>
+            </a:pPr>
             <a:r>
               <a:rPr lang="en-US">
                 <a:solidFill>
@@ -32247,6 +32539,9 @@
           <a:bodyPr wrap="none" anchor="ctr"/>
           <a:lstStyle/>
           <a:p>
+            <a:pPr>
+              <a:buNone/>
+            </a:pPr>
             <a:endParaRPr lang="en-US"/>
           </a:p>
         </p:txBody>
@@ -32299,6 +32594,9 @@
             <a:bodyPr wrap="none" anchor="ctr"/>
             <a:lstStyle/>
             <a:p>
+              <a:pPr>
+                <a:buNone/>
+              </a:pPr>
               <a:endParaRPr lang="en-US"/>
             </a:p>
           </p:txBody>
@@ -32335,6 +32633,9 @@
             <a:bodyPr wrap="none" anchor="ctr"/>
             <a:lstStyle/>
             <a:p>
+              <a:pPr>
+                <a:buNone/>
+              </a:pPr>
               <a:endParaRPr lang="en-US"/>
             </a:p>
           </p:txBody>
@@ -32372,6 +32673,9 @@
           <a:bodyPr wrap="none" anchor="ctr"/>
           <a:lstStyle/>
           <a:p>
+            <a:pPr>
+              <a:buNone/>
+            </a:pPr>
             <a:endParaRPr lang="en-US"/>
           </a:p>
         </p:txBody>
@@ -32406,6 +32710,9 @@
           <a:bodyPr wrap="none" anchor="ctr"/>
           <a:lstStyle/>
           <a:p>
+            <a:pPr>
+              <a:buNone/>
+            </a:pPr>
             <a:endParaRPr lang="en-US"/>
           </a:p>
         </p:txBody>
@@ -32421,7 +32728,7 @@
         <p:spPr bwMode="auto">
           <a:xfrm>
             <a:off x="7010400" y="1973263"/>
-            <a:ext cx="504825" cy="701675"/>
+            <a:ext cx="443351" cy="584776"/>
           </a:xfrm>
           <a:prstGeom prst="rect">
             <a:avLst/>
@@ -32440,6 +32747,9 @@
           </a:bodyPr>
           <a:lstStyle/>
           <a:p>
+            <a:pPr>
+              <a:buNone/>
+            </a:pPr>
             <a:r>
               <a:rPr lang="en-US">
                 <a:solidFill>
@@ -32500,6 +32810,9 @@
             <a:bodyPr wrap="none" anchor="ctr"/>
             <a:lstStyle/>
             <a:p>
+              <a:pPr>
+                <a:buNone/>
+              </a:pPr>
               <a:endParaRPr lang="en-US"/>
             </a:p>
           </p:txBody>
@@ -32536,6 +32849,9 @@
             <a:bodyPr wrap="none" anchor="ctr"/>
             <a:lstStyle/>
             <a:p>
+              <a:pPr>
+                <a:buNone/>
+              </a:pPr>
               <a:endParaRPr lang="en-US"/>
             </a:p>
           </p:txBody>
@@ -32572,6 +32888,9 @@
             <a:bodyPr wrap="none" anchor="ctr"/>
             <a:lstStyle/>
             <a:p>
+              <a:pPr>
+                <a:buNone/>
+              </a:pPr>
               <a:endParaRPr lang="en-US"/>
             </a:p>
           </p:txBody>
@@ -32608,6 +32927,9 @@
             <a:bodyPr wrap="none" anchor="ctr"/>
             <a:lstStyle/>
             <a:p>
+              <a:pPr>
+                <a:buNone/>
+              </a:pPr>
               <a:endParaRPr lang="en-US"/>
             </a:p>
           </p:txBody>
@@ -32645,6 +32967,9 @@
           <a:bodyPr wrap="none" anchor="ctr"/>
           <a:lstStyle/>
           <a:p>
+            <a:pPr>
+              <a:buNone/>
+            </a:pPr>
             <a:endParaRPr lang="en-US"/>
           </a:p>
         </p:txBody>
@@ -32926,6 +33251,9 @@
             <a:bodyPr wrap="none" anchor="ctr"/>
             <a:lstStyle/>
             <a:p>
+              <a:pPr>
+                <a:buNone/>
+              </a:pPr>
               <a:endParaRPr lang="en-US"/>
             </a:p>
           </p:txBody>
@@ -32960,6 +33288,9 @@
             </a:bodyPr>
             <a:lstStyle/>
             <a:p>
+              <a:pPr>
+                <a:buNone/>
+              </a:pPr>
               <a:r>
                 <a:rPr lang="en-US" sz="4800" dirty="0" smtClean="0">
                   <a:latin typeface="Comic Sans MS" pitchFamily="8" charset="0"/>
@@ -33023,6 +33354,9 @@
             <a:bodyPr wrap="none" anchor="ctr"/>
             <a:lstStyle/>
             <a:p>
+              <a:pPr>
+                <a:buNone/>
+              </a:pPr>
               <a:endParaRPr lang="en-US"/>
             </a:p>
           </p:txBody>
@@ -33057,6 +33391,9 @@
             </a:bodyPr>
             <a:lstStyle/>
             <a:p>
+              <a:pPr>
+                <a:buNone/>
+              </a:pPr>
               <a:r>
                 <a:rPr lang="en-US" sz="4800" dirty="0" smtClean="0">
                   <a:latin typeface="Comic Sans MS" pitchFamily="8" charset="0"/>
@@ -33103,6 +33440,9 @@
           </a:bodyPr>
           <a:lstStyle/>
           <a:p>
+            <a:pPr>
+              <a:buNone/>
+            </a:pPr>
             <a:r>
               <a:rPr lang="en-US" sz="4800" dirty="0" smtClean="0">
                 <a:latin typeface="Comic Sans MS" pitchFamily="8" charset="0"/>
@@ -33148,6 +33488,9 @@
           </a:bodyPr>
           <a:lstStyle/>
           <a:p>
+            <a:pPr>
+              <a:buNone/>
+            </a:pPr>
             <a:r>
               <a:rPr lang="en-US" sz="4800" dirty="0" smtClean="0">
                 <a:latin typeface="Comic Sans MS" pitchFamily="8" charset="0"/>
@@ -33195,21 +33538,11 @@
           </a:bodyPr>
           <a:lstStyle/>
           <a:p>
-            <a:pPr marL="0" marR="0" lvl="0" indent="0" algn="l" defTabSz="914400" rtl="0" eaLnBrk="0" fontAlgn="base" latinLnBrk="0" hangingPunct="0">
-              <a:lnSpc>
-                <a:spcPct val="100000"/>
-              </a:lnSpc>
+            <a:pPr eaLnBrk="0" hangingPunct="0">
               <a:spcBef>
                 <a:spcPct val="0"/>
               </a:spcBef>
-              <a:spcAft>
-                <a:spcPct val="0"/>
-              </a:spcAft>
-              <a:buClrTx/>
-              <a:buSzTx/>
-              <a:buFontTx/>
               <a:buNone/>
-              <a:tabLst/>
               <a:defRPr/>
             </a:pPr>
             <a:r>
@@ -33579,6 +33912,9 @@
           <a:bodyPr wrap="none" anchor="ctr"/>
           <a:lstStyle/>
           <a:p>
+            <a:pPr>
+              <a:buNone/>
+            </a:pPr>
             <a:endParaRPr lang="en-US"/>
           </a:p>
         </p:txBody>
@@ -33594,7 +33930,7 @@
         <p:spPr bwMode="auto">
           <a:xfrm>
             <a:off x="1658938" y="2125663"/>
-            <a:ext cx="530225" cy="701675"/>
+            <a:ext cx="463588" cy="584776"/>
           </a:xfrm>
           <a:prstGeom prst="rect">
             <a:avLst/>
@@ -33613,6 +33949,9 @@
           </a:bodyPr>
           <a:lstStyle/>
           <a:p>
+            <a:pPr>
+              <a:buNone/>
+            </a:pPr>
             <a:r>
               <a:rPr lang="en-US">
                 <a:solidFill>
@@ -33657,6 +33996,9 @@
           <a:bodyPr wrap="none" anchor="ctr"/>
           <a:lstStyle/>
           <a:p>
+            <a:pPr>
+              <a:buNone/>
+            </a:pPr>
             <a:endParaRPr lang="en-US"/>
           </a:p>
         </p:txBody>
@@ -33709,6 +34051,9 @@
             <a:bodyPr wrap="none" anchor="ctr"/>
             <a:lstStyle/>
             <a:p>
+              <a:pPr>
+                <a:buNone/>
+              </a:pPr>
               <a:endParaRPr lang="en-US"/>
             </a:p>
           </p:txBody>
@@ -33745,6 +34090,9 @@
             <a:bodyPr wrap="none" anchor="ctr"/>
             <a:lstStyle/>
             <a:p>
+              <a:pPr>
+                <a:buNone/>
+              </a:pPr>
               <a:endParaRPr lang="en-US"/>
             </a:p>
           </p:txBody>
@@ -33782,6 +34130,9 @@
           <a:bodyPr wrap="none" anchor="ctr"/>
           <a:lstStyle/>
           <a:p>
+            <a:pPr>
+              <a:buNone/>
+            </a:pPr>
             <a:endParaRPr lang="en-US"/>
           </a:p>
         </p:txBody>
@@ -33816,6 +34167,9 @@
           <a:bodyPr wrap="none" anchor="ctr"/>
           <a:lstStyle/>
           <a:p>
+            <a:pPr>
+              <a:buNone/>
+            </a:pPr>
             <a:endParaRPr lang="en-US"/>
           </a:p>
         </p:txBody>
@@ -33831,7 +34185,7 @@
         <p:spPr bwMode="auto">
           <a:xfrm>
             <a:off x="7010400" y="1973263"/>
-            <a:ext cx="504825" cy="701675"/>
+            <a:ext cx="443351" cy="584776"/>
           </a:xfrm>
           <a:prstGeom prst="rect">
             <a:avLst/>
@@ -33850,6 +34204,9 @@
           </a:bodyPr>
           <a:lstStyle/>
           <a:p>
+            <a:pPr>
+              <a:buNone/>
+            </a:pPr>
             <a:r>
               <a:rPr lang="en-US">
                 <a:solidFill>
@@ -33910,6 +34267,9 @@
             <a:bodyPr wrap="none" anchor="ctr"/>
             <a:lstStyle/>
             <a:p>
+              <a:pPr>
+                <a:buNone/>
+              </a:pPr>
               <a:endParaRPr lang="en-US"/>
             </a:p>
           </p:txBody>
@@ -33946,6 +34306,9 @@
             <a:bodyPr wrap="none" anchor="ctr"/>
             <a:lstStyle/>
             <a:p>
+              <a:pPr>
+                <a:buNone/>
+              </a:pPr>
               <a:endParaRPr lang="en-US"/>
             </a:p>
           </p:txBody>
@@ -33982,6 +34345,9 @@
             <a:bodyPr wrap="none" anchor="ctr"/>
             <a:lstStyle/>
             <a:p>
+              <a:pPr>
+                <a:buNone/>
+              </a:pPr>
               <a:endParaRPr lang="en-US"/>
             </a:p>
           </p:txBody>
@@ -34018,6 +34384,9 @@
             <a:bodyPr wrap="none" anchor="ctr"/>
             <a:lstStyle/>
             <a:p>
+              <a:pPr>
+                <a:buNone/>
+              </a:pPr>
               <a:endParaRPr lang="en-US"/>
             </a:p>
           </p:txBody>
@@ -34055,6 +34424,9 @@
           <a:bodyPr wrap="none" anchor="ctr"/>
           <a:lstStyle/>
           <a:p>
+            <a:pPr>
+              <a:buNone/>
+            </a:pPr>
             <a:endParaRPr lang="en-US"/>
           </a:p>
         </p:txBody>
@@ -34336,6 +34708,9 @@
             <a:bodyPr wrap="none" anchor="ctr"/>
             <a:lstStyle/>
             <a:p>
+              <a:pPr>
+                <a:buNone/>
+              </a:pPr>
               <a:endParaRPr lang="en-US"/>
             </a:p>
           </p:txBody>
@@ -34370,6 +34745,9 @@
             </a:bodyPr>
             <a:lstStyle/>
             <a:p>
+              <a:pPr>
+                <a:buNone/>
+              </a:pPr>
               <a:r>
                 <a:rPr lang="en-US" sz="4800" dirty="0" smtClean="0">
                   <a:latin typeface="Comic Sans MS" pitchFamily="8" charset="0"/>
@@ -34433,6 +34811,9 @@
             <a:bodyPr wrap="none" anchor="ctr"/>
             <a:lstStyle/>
             <a:p>
+              <a:pPr>
+                <a:buNone/>
+              </a:pPr>
               <a:endParaRPr lang="en-US"/>
             </a:p>
           </p:txBody>
@@ -34467,6 +34848,9 @@
             </a:bodyPr>
             <a:lstStyle/>
             <a:p>
+              <a:pPr>
+                <a:buNone/>
+              </a:pPr>
               <a:r>
                 <a:rPr lang="en-US" sz="4800" dirty="0" smtClean="0">
                   <a:latin typeface="Comic Sans MS" pitchFamily="8" charset="0"/>
@@ -34551,6 +34935,9 @@
           </a:bodyPr>
           <a:lstStyle/>
           <a:p>
+            <a:pPr>
+              <a:buNone/>
+            </a:pPr>
             <a:r>
               <a:rPr lang="en-US" sz="5400" dirty="0" smtClean="0">
                 <a:solidFill>
@@ -34598,6 +34985,9 @@
           </a:bodyPr>
           <a:lstStyle/>
           <a:p>
+            <a:pPr>
+              <a:buNone/>
+            </a:pPr>
             <a:r>
               <a:rPr lang="en-US" sz="4400" dirty="0" smtClean="0">
                 <a:latin typeface="Comic Sans MS" pitchFamily="8" charset="0"/>
@@ -34657,6 +35047,9 @@
           </a:bodyPr>
           <a:lstStyle/>
           <a:p>
+            <a:pPr>
+              <a:buNone/>
+            </a:pPr>
             <a:r>
               <a:rPr lang="en-US" sz="5400" dirty="0" smtClean="0">
                 <a:latin typeface="Comic Sans MS" pitchFamily="8" charset="0"/>
@@ -34716,6 +35109,9 @@
           </a:bodyPr>
           <a:lstStyle/>
           <a:p>
+            <a:pPr>
+              <a:buNone/>
+            </a:pPr>
             <a:r>
               <a:rPr lang="en-US" sz="5400" b="1" dirty="0" smtClean="0">
                 <a:latin typeface="Times New Roman" pitchFamily="18" charset="0"/>
@@ -35101,21 +35497,11 @@
           </a:bodyPr>
           <a:lstStyle/>
           <a:p>
-            <a:pPr marL="0" marR="0" lvl="0" indent="0" algn="l" defTabSz="914400" rtl="0" eaLnBrk="0" fontAlgn="base" latinLnBrk="0" hangingPunct="0">
-              <a:lnSpc>
-                <a:spcPct val="100000"/>
-              </a:lnSpc>
+            <a:pPr eaLnBrk="0" hangingPunct="0">
               <a:spcBef>
                 <a:spcPct val="0"/>
               </a:spcBef>
-              <a:spcAft>
-                <a:spcPct val="0"/>
-              </a:spcAft>
-              <a:buClrTx/>
-              <a:buSzTx/>
-              <a:buFontTx/>
               <a:buNone/>
-              <a:tabLst/>
               <a:defRPr/>
             </a:pPr>
             <a:r>
@@ -35202,6 +35588,9 @@
           <a:bodyPr wrap="none" anchor="ctr"/>
           <a:lstStyle/>
           <a:p>
+            <a:pPr>
+              <a:buNone/>
+            </a:pPr>
             <a:endParaRPr lang="en-US"/>
           </a:p>
         </p:txBody>
@@ -35217,7 +35606,7 @@
         <p:spPr bwMode="auto">
           <a:xfrm>
             <a:off x="1658938" y="2125663"/>
-            <a:ext cx="530225" cy="701675"/>
+            <a:ext cx="463588" cy="584776"/>
           </a:xfrm>
           <a:prstGeom prst="rect">
             <a:avLst/>
@@ -35236,6 +35625,9 @@
           </a:bodyPr>
           <a:lstStyle/>
           <a:p>
+            <a:pPr>
+              <a:buNone/>
+            </a:pPr>
             <a:r>
               <a:rPr lang="en-US">
                 <a:solidFill>
@@ -35280,6 +35672,9 @@
           <a:bodyPr wrap="none" anchor="ctr"/>
           <a:lstStyle/>
           <a:p>
+            <a:pPr>
+              <a:buNone/>
+            </a:pPr>
             <a:endParaRPr lang="en-US"/>
           </a:p>
         </p:txBody>
@@ -35332,6 +35727,9 @@
             <a:bodyPr wrap="none" anchor="ctr"/>
             <a:lstStyle/>
             <a:p>
+              <a:pPr>
+                <a:buNone/>
+              </a:pPr>
               <a:endParaRPr lang="en-US"/>
             </a:p>
           </p:txBody>
@@ -35368,6 +35766,9 @@
             <a:bodyPr wrap="none" anchor="ctr"/>
             <a:lstStyle/>
             <a:p>
+              <a:pPr>
+                <a:buNone/>
+              </a:pPr>
               <a:endParaRPr lang="en-US"/>
             </a:p>
           </p:txBody>
@@ -35405,6 +35806,9 @@
           <a:bodyPr wrap="none" anchor="ctr"/>
           <a:lstStyle/>
           <a:p>
+            <a:pPr>
+              <a:buNone/>
+            </a:pPr>
             <a:endParaRPr lang="en-US"/>
           </a:p>
         </p:txBody>
@@ -35439,6 +35843,9 @@
           <a:bodyPr wrap="none" anchor="ctr"/>
           <a:lstStyle/>
           <a:p>
+            <a:pPr>
+              <a:buNone/>
+            </a:pPr>
             <a:endParaRPr lang="en-US"/>
           </a:p>
         </p:txBody>
@@ -35454,7 +35861,7 @@
         <p:spPr bwMode="auto">
           <a:xfrm>
             <a:off x="7010400" y="1973263"/>
-            <a:ext cx="504825" cy="701675"/>
+            <a:ext cx="443351" cy="584776"/>
           </a:xfrm>
           <a:prstGeom prst="rect">
             <a:avLst/>
@@ -35473,6 +35880,9 @@
           </a:bodyPr>
           <a:lstStyle/>
           <a:p>
+            <a:pPr>
+              <a:buNone/>
+            </a:pPr>
             <a:r>
               <a:rPr lang="en-US">
                 <a:solidFill>
@@ -35533,6 +35943,9 @@
             <a:bodyPr wrap="none" anchor="ctr"/>
             <a:lstStyle/>
             <a:p>
+              <a:pPr>
+                <a:buNone/>
+              </a:pPr>
               <a:endParaRPr lang="en-US"/>
             </a:p>
           </p:txBody>
@@ -35569,6 +35982,9 @@
             <a:bodyPr wrap="none" anchor="ctr"/>
             <a:lstStyle/>
             <a:p>
+              <a:pPr>
+                <a:buNone/>
+              </a:pPr>
               <a:endParaRPr lang="en-US"/>
             </a:p>
           </p:txBody>
@@ -35605,6 +36021,9 @@
             <a:bodyPr wrap="none" anchor="ctr"/>
             <a:lstStyle/>
             <a:p>
+              <a:pPr>
+                <a:buNone/>
+              </a:pPr>
               <a:endParaRPr lang="en-US"/>
             </a:p>
           </p:txBody>
@@ -35641,6 +36060,9 @@
             <a:bodyPr wrap="none" anchor="ctr"/>
             <a:lstStyle/>
             <a:p>
+              <a:pPr>
+                <a:buNone/>
+              </a:pPr>
               <a:endParaRPr lang="en-US"/>
             </a:p>
           </p:txBody>
@@ -35678,6 +36100,9 @@
           <a:bodyPr wrap="none" anchor="ctr"/>
           <a:lstStyle/>
           <a:p>
+            <a:pPr>
+              <a:buNone/>
+            </a:pPr>
             <a:endParaRPr lang="en-US"/>
           </a:p>
         </p:txBody>
@@ -35945,6 +36370,9 @@
           <a:bodyPr wrap="none" anchor="ctr"/>
           <a:lstStyle/>
           <a:p>
+            <a:pPr>
+              <a:buNone/>
+            </a:pPr>
             <a:endParaRPr lang="en-US"/>
           </a:p>
         </p:txBody>
@@ -35979,6 +36407,9 @@
           </a:bodyPr>
           <a:lstStyle/>
           <a:p>
+            <a:pPr>
+              <a:buNone/>
+            </a:pPr>
             <a:r>
               <a:rPr lang="en-US" sz="4800" dirty="0" smtClean="0">
                 <a:solidFill>
@@ -36030,6 +36461,9 @@
           <a:bodyPr wrap="none" anchor="ctr"/>
           <a:lstStyle/>
           <a:p>
+            <a:pPr>
+              <a:buNone/>
+            </a:pPr>
             <a:endParaRPr lang="en-US"/>
           </a:p>
         </p:txBody>
@@ -36064,6 +36498,9 @@
           </a:bodyPr>
           <a:lstStyle/>
           <a:p>
+            <a:pPr>
+              <a:buNone/>
+            </a:pPr>
             <a:r>
               <a:rPr lang="en-US" sz="4400" dirty="0" smtClean="0">
                 <a:latin typeface="Comic Sans MS" pitchFamily="8" charset="0"/>
@@ -36105,7 +36542,7 @@
         <p:spPr bwMode="auto">
           <a:xfrm>
             <a:off x="2183795" y="5425482"/>
-            <a:ext cx="4852610" cy="1015663"/>
+            <a:ext cx="4623606" cy="1015663"/>
           </a:xfrm>
           <a:prstGeom prst="rect">
             <a:avLst/>
@@ -36124,6 +36561,9 @@
           </a:bodyPr>
           <a:lstStyle/>
           <a:p>
+            <a:pPr>
+              <a:buNone/>
+            </a:pPr>
             <a:r>
               <a:rPr lang="en-US" sz="6000" dirty="0" smtClean="0">
                 <a:latin typeface="Comic Sans MS" pitchFamily="8" charset="0"/>
@@ -36216,21 +36656,11 @@
           </a:bodyPr>
           <a:lstStyle/>
           <a:p>
-            <a:pPr marL="0" marR="0" indent="0" algn="l" defTabSz="914400" rtl="0" eaLnBrk="1" fontAlgn="base" latinLnBrk="0" hangingPunct="1">
-              <a:lnSpc>
-                <a:spcPct val="100000"/>
-              </a:lnSpc>
+            <a:pPr>
               <a:spcBef>
                 <a:spcPct val="0"/>
               </a:spcBef>
-              <a:spcAft>
-                <a:spcPct val="0"/>
-              </a:spcAft>
-              <a:buClrTx/>
-              <a:buSzTx/>
-              <a:buFontTx/>
               <a:buNone/>
-              <a:tabLst/>
             </a:pPr>
             <a:endParaRPr kumimoji="0" lang="en-US" sz="4000" b="0" i="0" u="none" strike="noStrike" cap="none" normalizeH="0" baseline="0" smtClean="0">
               <a:ln>
@@ -37238,11 +37668,10 @@
           <a:bodyPr/>
           <a:lstStyle/>
           <a:p>
-            <a:pPr marL="0">
+            <a:pPr marL="0" indent="0">
               <a:spcBef>
                 <a:spcPct val="0"/>
               </a:spcBef>
-              <a:buFontTx/>
               <a:buNone/>
               <a:defRPr/>
             </a:pPr>
@@ -37306,11 +37735,10 @@
             </a:r>
           </a:p>
           <a:p>
-            <a:pPr marL="0">
+            <a:pPr marL="0" indent="0">
               <a:spcBef>
                 <a:spcPts val="2400"/>
               </a:spcBef>
-              <a:buFontTx/>
               <a:buNone/>
               <a:defRPr/>
             </a:pPr>
@@ -37334,11 +37762,10 @@
             </a:r>
           </a:p>
           <a:p>
-            <a:pPr marL="0">
+            <a:pPr marL="0" indent="0">
               <a:spcBef>
                 <a:spcPct val="0"/>
               </a:spcBef>
-              <a:buFontTx/>
               <a:buNone/>
               <a:defRPr/>
             </a:pPr>
@@ -37439,7 +37866,7 @@
         <p:spPr>
           <a:xfrm>
             <a:off x="2713038" y="1027344"/>
-            <a:ext cx="3906837" cy="708025"/>
+            <a:ext cx="3159639" cy="584776"/>
           </a:xfrm>
           <a:prstGeom prst="rect">
             <a:avLst/>
@@ -37453,6 +37880,7 @@
           <a:lstStyle/>
           <a:p>
             <a:pPr>
+              <a:buNone/>
               <a:defRPr/>
             </a:pPr>
             <a:r>
@@ -37490,6 +37918,7 @@
           <a:lstStyle/>
           <a:p>
             <a:pPr>
+              <a:buNone/>
               <a:defRPr/>
             </a:pPr>
             <a:r>
@@ -37704,21 +38133,11 @@
           </a:bodyPr>
           <a:lstStyle/>
           <a:p>
-            <a:pPr marL="0" marR="0" indent="0" algn="l" defTabSz="914400" rtl="0" eaLnBrk="1" fontAlgn="base" latinLnBrk="0" hangingPunct="1">
-              <a:lnSpc>
-                <a:spcPct val="100000"/>
-              </a:lnSpc>
+            <a:pPr>
               <a:spcBef>
                 <a:spcPct val="0"/>
               </a:spcBef>
-              <a:spcAft>
-                <a:spcPct val="0"/>
-              </a:spcAft>
-              <a:buClrTx/>
-              <a:buSzTx/>
-              <a:buFontTx/>
               <a:buNone/>
-              <a:tabLst/>
             </a:pPr>
             <a:endParaRPr kumimoji="0" lang="en-US" sz="4000" b="0" i="0" u="none" strike="noStrike" cap="none" normalizeH="0" baseline="0" smtClean="0">
               <a:ln>
@@ -37993,7 +38412,7 @@
         <p:spPr bwMode="auto">
           <a:xfrm>
             <a:off x="1143000" y="228600"/>
-            <a:ext cx="7656513" cy="701675"/>
+            <a:ext cx="6220974" cy="584776"/>
           </a:xfrm>
           <a:prstGeom prst="rect">
             <a:avLst/>
@@ -38012,6 +38431,9 @@
           </a:bodyPr>
           <a:lstStyle/>
           <a:p>
+            <a:pPr>
+              <a:buNone/>
+            </a:pPr>
             <a:r>
               <a:rPr lang="en-US" b="1">
                 <a:latin typeface="Comic Sans MS" pitchFamily="8" charset="0"/>
@@ -38032,7 +38454,7 @@
         <p:spPr bwMode="auto">
           <a:xfrm>
             <a:off x="519876" y="1104057"/>
-            <a:ext cx="8428815" cy="2369880"/>
+            <a:ext cx="8428815" cy="2511456"/>
           </a:xfrm>
           <a:prstGeom prst="rect">
             <a:avLst/>
@@ -38051,6 +38473,9 @@
           </a:bodyPr>
           <a:lstStyle/>
           <a:p>
+            <a:pPr>
+              <a:buNone/>
+            </a:pPr>
             <a:r>
               <a:rPr lang="en-US" sz="5400" dirty="0" smtClean="0">
                 <a:latin typeface="Comic Sans MS" pitchFamily="8" charset="0"/>
@@ -38059,6 +38484,9 @@
             </a:r>
           </a:p>
           <a:p>
+            <a:pPr>
+              <a:buNone/>
+            </a:pPr>
             <a:r>
               <a:rPr lang="en-US" sz="5400" dirty="0" smtClean="0">
                 <a:latin typeface="Comic Sans MS" pitchFamily="8" charset="0"/>
@@ -38067,6 +38495,9 @@
             </a:r>
           </a:p>
           <a:p>
+            <a:pPr>
+              <a:buNone/>
+            </a:pPr>
             <a:r>
               <a:rPr lang="en-US" dirty="0" smtClean="0">
                 <a:latin typeface="Comic Sans MS" pitchFamily="8" charset="0"/>
@@ -38082,7 +38513,13 @@
           <p:cNvGraphicFramePr>
             <a:graphicFrameLocks noChangeAspect="1"/>
           </p:cNvGraphicFramePr>
-          <p:nvPr/>
+          <p:nvPr>
+            <p:extLst>
+              <p:ext uri="{D42A27DB-BD31-4B8C-83A1-F6EECF244321}">
+                <p14:modId xmlns:p14="http://schemas.microsoft.com/office/powerpoint/2010/main" val="4274353624"/>
+              </p:ext>
+            </p:extLst>
+          </p:nvPr>
         </p:nvGraphicFramePr>
         <p:xfrm>
           <a:off x="3594100" y="3225800"/>
@@ -38092,7 +38529,7 @@
           <a:graphicData uri="http://schemas.openxmlformats.org/presentationml/2006/ole">
             <mc:AlternateContent xmlns:mc="http://schemas.openxmlformats.org/markup-compatibility/2006">
               <mc:Choice xmlns:v="urn:schemas-microsoft-com:vml" Requires="v">
-                <p:oleObj spid="_x0000_s1034" name="Equation" r:id="rId4" imgW="914400" imgH="198720" progId="">
+                <p:oleObj spid="_x0000_s1040" name="Equation" r:id="rId4" imgW="914400" imgH="198720" progId="">
                   <p:embed/>
                 </p:oleObj>
               </mc:Choice>
@@ -38152,7 +38589,13 @@
           <p:cNvGraphicFramePr>
             <a:graphicFrameLocks noChangeAspect="1"/>
           </p:cNvGraphicFramePr>
-          <p:nvPr/>
+          <p:nvPr>
+            <p:extLst>
+              <p:ext uri="{D42A27DB-BD31-4B8C-83A1-F6EECF244321}">
+                <p14:modId xmlns:p14="http://schemas.microsoft.com/office/powerpoint/2010/main" val="1435842383"/>
+              </p:ext>
+            </p:extLst>
+          </p:nvPr>
         </p:nvGraphicFramePr>
         <p:xfrm>
           <a:off x="3594100" y="3225800"/>
@@ -38162,7 +38605,7 @@
           <a:graphicData uri="http://schemas.openxmlformats.org/presentationml/2006/ole">
             <mc:AlternateContent xmlns:mc="http://schemas.openxmlformats.org/markup-compatibility/2006">
               <mc:Choice xmlns:v="urn:schemas-microsoft-com:vml" Requires="v">
-                <p:oleObj spid="_x0000_s1035" name="Equation" r:id="rId6" imgW="914400" imgH="198720" progId="Equation.3">
+                <p:oleObj spid="_x0000_s1041" name="Equation" r:id="rId6" imgW="914400" imgH="198720" progId="Equation.3">
                   <p:embed/>
                 </p:oleObj>
               </mc:Choice>
@@ -38279,6 +38722,9 @@
           </a:bodyPr>
           <a:lstStyle/>
           <a:p>
+            <a:pPr>
+              <a:buNone/>
+            </a:pPr>
             <a:r>
               <a:rPr lang="en-US" sz="5400" dirty="0" smtClean="0">
                 <a:latin typeface="+mj-lt"/>
@@ -38482,7 +38928,7 @@
         <p:spPr bwMode="auto">
           <a:xfrm>
             <a:off x="1143000" y="228600"/>
-            <a:ext cx="7656513" cy="701675"/>
+            <a:ext cx="6220974" cy="584776"/>
           </a:xfrm>
           <a:prstGeom prst="rect">
             <a:avLst/>
@@ -38501,6 +38947,9 @@
           </a:bodyPr>
           <a:lstStyle/>
           <a:p>
+            <a:pPr>
+              <a:buNone/>
+            </a:pPr>
             <a:r>
               <a:rPr lang="en-US" b="1">
                 <a:latin typeface="Comic Sans MS" pitchFamily="8" charset="0"/>
@@ -38521,7 +38970,7 @@
         <p:spPr bwMode="auto">
           <a:xfrm>
             <a:off x="547719" y="995363"/>
-            <a:ext cx="7920758" cy="2123658"/>
+            <a:ext cx="8122736" cy="2394502"/>
           </a:xfrm>
           <a:prstGeom prst="rect">
             <a:avLst/>
@@ -38540,6 +38989,9 @@
           </a:bodyPr>
           <a:lstStyle/>
           <a:p>
+            <a:pPr>
+              <a:buNone/>
+            </a:pPr>
             <a:r>
               <a:rPr lang="en-US" sz="4400" dirty="0" smtClean="0">
                 <a:latin typeface="Comic Sans MS" pitchFamily="8" charset="0"/>
@@ -38590,6 +39042,9 @@
             </a:r>
           </a:p>
           <a:p>
+            <a:pPr>
+              <a:buNone/>
+            </a:pPr>
             <a:r>
               <a:rPr lang="en-US" sz="4400" dirty="0" smtClean="0">
                 <a:latin typeface="Comic Sans MS" pitchFamily="8" charset="0"/>
@@ -38619,6 +39074,9 @@
             </a:endParaRPr>
           </a:p>
           <a:p>
+            <a:pPr>
+              <a:buNone/>
+            </a:pPr>
             <a:r>
               <a:rPr lang="en-US" sz="4400" dirty="0" smtClean="0">
                 <a:latin typeface="Comic Sans MS" pitchFamily="8" charset="0"/>
@@ -38640,7 +39098,13 @@
           <p:cNvGraphicFramePr>
             <a:graphicFrameLocks noChangeAspect="1"/>
           </p:cNvGraphicFramePr>
-          <p:nvPr/>
+          <p:nvPr>
+            <p:extLst>
+              <p:ext uri="{D42A27DB-BD31-4B8C-83A1-F6EECF244321}">
+                <p14:modId xmlns:p14="http://schemas.microsoft.com/office/powerpoint/2010/main" val="2652024947"/>
+              </p:ext>
+            </p:extLst>
+          </p:nvPr>
         </p:nvGraphicFramePr>
         <p:xfrm>
           <a:off x="3594100" y="3225800"/>
@@ -38650,7 +39114,7 @@
           <a:graphicData uri="http://schemas.openxmlformats.org/presentationml/2006/ole">
             <mc:AlternateContent xmlns:mc="http://schemas.openxmlformats.org/markup-compatibility/2006">
               <mc:Choice xmlns:v="urn:schemas-microsoft-com:vml" Requires="v">
-                <p:oleObj spid="_x0000_s2058" name="Equation" r:id="rId4" imgW="914400" imgH="198720" progId="">
+                <p:oleObj spid="_x0000_s2064" name="Equation" r:id="rId4" imgW="914400" imgH="198720" progId="">
                   <p:embed/>
                 </p:oleObj>
               </mc:Choice>
@@ -38710,7 +39174,13 @@
           <p:cNvGraphicFramePr>
             <a:graphicFrameLocks noChangeAspect="1"/>
           </p:cNvGraphicFramePr>
-          <p:nvPr/>
+          <p:nvPr>
+            <p:extLst>
+              <p:ext uri="{D42A27DB-BD31-4B8C-83A1-F6EECF244321}">
+                <p14:modId xmlns:p14="http://schemas.microsoft.com/office/powerpoint/2010/main" val="658701749"/>
+              </p:ext>
+            </p:extLst>
+          </p:nvPr>
         </p:nvGraphicFramePr>
         <p:xfrm>
           <a:off x="3594100" y="3225800"/>
@@ -38720,7 +39190,7 @@
           <a:graphicData uri="http://schemas.openxmlformats.org/presentationml/2006/ole">
             <mc:AlternateContent xmlns:mc="http://schemas.openxmlformats.org/markup-compatibility/2006">
               <mc:Choice xmlns:v="urn:schemas-microsoft-com:vml" Requires="v">
-                <p:oleObj spid="_x0000_s2059" name="Equation" r:id="rId6" imgW="914400" imgH="198720" progId="Equation.3">
+                <p:oleObj spid="_x0000_s2065" name="Equation" r:id="rId6" imgW="914400" imgH="198720" progId="Equation.3">
                   <p:embed/>
                 </p:oleObj>
               </mc:Choice>
@@ -38849,21 +39319,11 @@
           </a:bodyPr>
           <a:lstStyle/>
           <a:p>
-            <a:pPr marL="0" marR="0" indent="0" algn="l" defTabSz="914400" rtl="0" eaLnBrk="1" fontAlgn="base" latinLnBrk="0" hangingPunct="1">
-              <a:lnSpc>
-                <a:spcPct val="100000"/>
-              </a:lnSpc>
+            <a:pPr>
               <a:spcBef>
                 <a:spcPct val="0"/>
               </a:spcBef>
-              <a:spcAft>
-                <a:spcPct val="0"/>
-              </a:spcAft>
-              <a:buClrTx/>
-              <a:buSzTx/>
-              <a:buFontTx/>
               <a:buNone/>
-              <a:tabLst/>
             </a:pPr>
             <a:endParaRPr kumimoji="0" lang="en-US" sz="4000" b="0" i="0" u="none" strike="noStrike" cap="none" normalizeH="0" baseline="0" smtClean="0">
               <a:ln>
@@ -38887,7 +39347,7 @@
         <p:spPr>
           <a:xfrm>
             <a:off x="699414" y="3720663"/>
-            <a:ext cx="7821372" cy="1938992"/>
+            <a:ext cx="7818592" cy="2123658"/>
           </a:xfrm>
           <a:prstGeom prst="rect">
             <a:avLst/>
@@ -38900,6 +39360,9 @@
           </a:bodyPr>
           <a:lstStyle/>
           <a:p>
+            <a:pPr>
+              <a:buNone/>
+            </a:pPr>
             <a:r>
               <a:rPr lang="en-US" sz="6000" dirty="0" smtClean="0">
                 <a:latin typeface="+mj-lt"/>
@@ -38919,6 +39382,9 @@
             </a:r>
           </a:p>
           <a:p>
+            <a:pPr>
+              <a:buNone/>
+            </a:pPr>
             <a:r>
               <a:rPr lang="en-US" sz="6000" dirty="0" smtClean="0">
                 <a:latin typeface="+mj-lt"/>
@@ -39284,7 +39750,7 @@
             </a:pPr>
             <a:r>
               <a:rPr lang="en-US" sz="13800" dirty="0" smtClean="0"/>
-              <a:t>1—4</a:t>
+              <a:t>2—4</a:t>
             </a:r>
             <a:endParaRPr lang="en-US" sz="13800" dirty="0"/>
           </a:p>
